--- a/Spring/image/ELK_imagePPT.pptx
+++ b/Spring/image/ELK_imagePPT.pptx
@@ -106,6 +106,11 @@
       </a:defRPr>
     </a:lvl9pPr>
   </p:defaultTextStyle>
+  <p:extLst>
+    <p:ext uri="{EFAFB233-063F-42B5-8137-9DF3F51BA10A}">
+      <p15:sldGuideLst xmlns:p15="http://schemas.microsoft.com/office/powerpoint/2012/main"/>
+    </p:ext>
+  </p:extLst>
 </p:presentation>
 </file>
 
@@ -240,7 +245,7 @@
           <a:p>
             <a:fld id="{A9FEBE69-4EBD-4D3B-A0F0-93861AB9D13C}" type="datetimeFigureOut">
               <a:rPr lang="ko-KR" altLang="en-US" smtClean="0"/>
-              <a:t>2022-04-18</a:t>
+              <a:t>2022-04-20</a:t>
             </a:fld>
             <a:endParaRPr lang="ko-KR" altLang="en-US"/>
           </a:p>
@@ -410,7 +415,7 @@
           <a:p>
             <a:fld id="{A9FEBE69-4EBD-4D3B-A0F0-93861AB9D13C}" type="datetimeFigureOut">
               <a:rPr lang="ko-KR" altLang="en-US" smtClean="0"/>
-              <a:t>2022-04-18</a:t>
+              <a:t>2022-04-20</a:t>
             </a:fld>
             <a:endParaRPr lang="ko-KR" altLang="en-US"/>
           </a:p>
@@ -590,7 +595,7 @@
           <a:p>
             <a:fld id="{A9FEBE69-4EBD-4D3B-A0F0-93861AB9D13C}" type="datetimeFigureOut">
               <a:rPr lang="ko-KR" altLang="en-US" smtClean="0"/>
-              <a:t>2022-04-18</a:t>
+              <a:t>2022-04-20</a:t>
             </a:fld>
             <a:endParaRPr lang="ko-KR" altLang="en-US"/>
           </a:p>
@@ -760,7 +765,7 @@
           <a:p>
             <a:fld id="{A9FEBE69-4EBD-4D3B-A0F0-93861AB9D13C}" type="datetimeFigureOut">
               <a:rPr lang="ko-KR" altLang="en-US" smtClean="0"/>
-              <a:t>2022-04-18</a:t>
+              <a:t>2022-04-20</a:t>
             </a:fld>
             <a:endParaRPr lang="ko-KR" altLang="en-US"/>
           </a:p>
@@ -1006,7 +1011,7 @@
           <a:p>
             <a:fld id="{A9FEBE69-4EBD-4D3B-A0F0-93861AB9D13C}" type="datetimeFigureOut">
               <a:rPr lang="ko-KR" altLang="en-US" smtClean="0"/>
-              <a:t>2022-04-18</a:t>
+              <a:t>2022-04-20</a:t>
             </a:fld>
             <a:endParaRPr lang="ko-KR" altLang="en-US"/>
           </a:p>
@@ -1238,7 +1243,7 @@
           <a:p>
             <a:fld id="{A9FEBE69-4EBD-4D3B-A0F0-93861AB9D13C}" type="datetimeFigureOut">
               <a:rPr lang="ko-KR" altLang="en-US" smtClean="0"/>
-              <a:t>2022-04-18</a:t>
+              <a:t>2022-04-20</a:t>
             </a:fld>
             <a:endParaRPr lang="ko-KR" altLang="en-US"/>
           </a:p>
@@ -1605,7 +1610,7 @@
           <a:p>
             <a:fld id="{A9FEBE69-4EBD-4D3B-A0F0-93861AB9D13C}" type="datetimeFigureOut">
               <a:rPr lang="ko-KR" altLang="en-US" smtClean="0"/>
-              <a:t>2022-04-18</a:t>
+              <a:t>2022-04-20</a:t>
             </a:fld>
             <a:endParaRPr lang="ko-KR" altLang="en-US"/>
           </a:p>
@@ -1723,7 +1728,7 @@
           <a:p>
             <a:fld id="{A9FEBE69-4EBD-4D3B-A0F0-93861AB9D13C}" type="datetimeFigureOut">
               <a:rPr lang="ko-KR" altLang="en-US" smtClean="0"/>
-              <a:t>2022-04-18</a:t>
+              <a:t>2022-04-20</a:t>
             </a:fld>
             <a:endParaRPr lang="ko-KR" altLang="en-US"/>
           </a:p>
@@ -1818,7 +1823,7 @@
           <a:p>
             <a:fld id="{A9FEBE69-4EBD-4D3B-A0F0-93861AB9D13C}" type="datetimeFigureOut">
               <a:rPr lang="ko-KR" altLang="en-US" smtClean="0"/>
-              <a:t>2022-04-18</a:t>
+              <a:t>2022-04-20</a:t>
             </a:fld>
             <a:endParaRPr lang="ko-KR" altLang="en-US"/>
           </a:p>
@@ -2095,7 +2100,7 @@
           <a:p>
             <a:fld id="{A9FEBE69-4EBD-4D3B-A0F0-93861AB9D13C}" type="datetimeFigureOut">
               <a:rPr lang="ko-KR" altLang="en-US" smtClean="0"/>
-              <a:t>2022-04-18</a:t>
+              <a:t>2022-04-20</a:t>
             </a:fld>
             <a:endParaRPr lang="ko-KR" altLang="en-US"/>
           </a:p>
@@ -2352,7 +2357,7 @@
           <a:p>
             <a:fld id="{A9FEBE69-4EBD-4D3B-A0F0-93861AB9D13C}" type="datetimeFigureOut">
               <a:rPr lang="ko-KR" altLang="en-US" smtClean="0"/>
-              <a:t>2022-04-18</a:t>
+              <a:t>2022-04-20</a:t>
             </a:fld>
             <a:endParaRPr lang="ko-KR" altLang="en-US"/>
           </a:p>
@@ -2565,7 +2570,7 @@
           <a:p>
             <a:fld id="{A9FEBE69-4EBD-4D3B-A0F0-93861AB9D13C}" type="datetimeFigureOut">
               <a:rPr lang="ko-KR" altLang="en-US" smtClean="0"/>
-              <a:t>2022-04-18</a:t>
+              <a:t>2022-04-20</a:t>
             </a:fld>
             <a:endParaRPr lang="ko-KR" altLang="en-US"/>
           </a:p>
@@ -6077,6 +6082,1213 @@
           <a:chExt cx="0" cy="0"/>
         </a:xfrm>
       </p:grpSpPr>
+      <p:sp>
+        <p:nvSpPr>
+          <p:cNvPr id="2" name="직사각형 1">
+            <a:extLst>
+              <a:ext uri="{FF2B5EF4-FFF2-40B4-BE49-F238E27FC236}">
+                <a16:creationId xmlns:a16="http://schemas.microsoft.com/office/drawing/2014/main" id="{8FCE0D40-E2B9-4B4B-9E83-15D34F96D58E}"/>
+              </a:ext>
+            </a:extLst>
+          </p:cNvPr>
+          <p:cNvSpPr/>
+          <p:nvPr/>
+        </p:nvSpPr>
+        <p:spPr>
+          <a:xfrm>
+            <a:off x="6854825" y="3457575"/>
+            <a:ext cx="2628900" cy="2038350"/>
+          </a:xfrm>
+          <a:prstGeom prst="rect">
+            <a:avLst/>
+          </a:prstGeom>
+          <a:solidFill>
+            <a:schemeClr val="accent1">
+              <a:lumMod val="20000"/>
+              <a:lumOff val="80000"/>
+            </a:schemeClr>
+          </a:solidFill>
+        </p:spPr>
+        <p:style>
+          <a:lnRef idx="2">
+            <a:schemeClr val="accent1">
+              <a:shade val="50000"/>
+            </a:schemeClr>
+          </a:lnRef>
+          <a:fillRef idx="1">
+            <a:schemeClr val="accent1"/>
+          </a:fillRef>
+          <a:effectRef idx="0">
+            <a:schemeClr val="accent1"/>
+          </a:effectRef>
+          <a:fontRef idx="minor">
+            <a:schemeClr val="lt1"/>
+          </a:fontRef>
+        </p:style>
+        <p:txBody>
+          <a:bodyPr rtlCol="0" anchor="ctr"/>
+          <a:lstStyle/>
+          <a:p>
+            <a:pPr algn="ctr"/>
+            <a:r>
+              <a:rPr lang="en-US" altLang="ko-KR" sz="4000" b="1">
+                <a:solidFill>
+                  <a:schemeClr val="tx1"/>
+                </a:solidFill>
+              </a:rPr>
+              <a:t>Input</a:t>
+            </a:r>
+            <a:endParaRPr lang="ko-KR" altLang="en-US" sz="4000" b="1">
+              <a:solidFill>
+                <a:schemeClr val="tx1"/>
+              </a:solidFill>
+            </a:endParaRPr>
+          </a:p>
+        </p:txBody>
+      </p:sp>
+      <p:sp>
+        <p:nvSpPr>
+          <p:cNvPr id="3" name="직사각형 2">
+            <a:extLst>
+              <a:ext uri="{FF2B5EF4-FFF2-40B4-BE49-F238E27FC236}">
+                <a16:creationId xmlns:a16="http://schemas.microsoft.com/office/drawing/2014/main" id="{4E6337AA-2D48-4C4B-BD99-8B4204E548B3}"/>
+              </a:ext>
+            </a:extLst>
+          </p:cNvPr>
+          <p:cNvSpPr/>
+          <p:nvPr/>
+        </p:nvSpPr>
+        <p:spPr>
+          <a:xfrm>
+            <a:off x="10283825" y="3457575"/>
+            <a:ext cx="2628900" cy="2038350"/>
+          </a:xfrm>
+          <a:prstGeom prst="rect">
+            <a:avLst/>
+          </a:prstGeom>
+          <a:solidFill>
+            <a:schemeClr val="accent1">
+              <a:lumMod val="20000"/>
+              <a:lumOff val="80000"/>
+            </a:schemeClr>
+          </a:solidFill>
+        </p:spPr>
+        <p:style>
+          <a:lnRef idx="2">
+            <a:schemeClr val="accent1">
+              <a:shade val="50000"/>
+            </a:schemeClr>
+          </a:lnRef>
+          <a:fillRef idx="1">
+            <a:schemeClr val="accent1"/>
+          </a:fillRef>
+          <a:effectRef idx="0">
+            <a:schemeClr val="accent1"/>
+          </a:effectRef>
+          <a:fontRef idx="minor">
+            <a:schemeClr val="lt1"/>
+          </a:fontRef>
+        </p:style>
+        <p:txBody>
+          <a:bodyPr rtlCol="0" anchor="ctr"/>
+          <a:lstStyle/>
+          <a:p>
+            <a:pPr algn="ctr"/>
+            <a:r>
+              <a:rPr lang="en-US" altLang="ko-KR" sz="4000" b="1">
+                <a:solidFill>
+                  <a:schemeClr val="tx1"/>
+                </a:solidFill>
+              </a:rPr>
+              <a:t>Filter</a:t>
+            </a:r>
+            <a:endParaRPr lang="ko-KR" altLang="en-US" sz="4000" b="1">
+              <a:solidFill>
+                <a:schemeClr val="tx1"/>
+              </a:solidFill>
+            </a:endParaRPr>
+          </a:p>
+        </p:txBody>
+      </p:sp>
+      <p:sp>
+        <p:nvSpPr>
+          <p:cNvPr id="4" name="직사각형 3">
+            <a:extLst>
+              <a:ext uri="{FF2B5EF4-FFF2-40B4-BE49-F238E27FC236}">
+                <a16:creationId xmlns:a16="http://schemas.microsoft.com/office/drawing/2014/main" id="{48B9F780-6105-4E43-8E83-F2B643CAE38B}"/>
+              </a:ext>
+            </a:extLst>
+          </p:cNvPr>
+          <p:cNvSpPr/>
+          <p:nvPr/>
+        </p:nvSpPr>
+        <p:spPr>
+          <a:xfrm>
+            <a:off x="13712825" y="3457575"/>
+            <a:ext cx="2628900" cy="2038350"/>
+          </a:xfrm>
+          <a:prstGeom prst="rect">
+            <a:avLst/>
+          </a:prstGeom>
+          <a:solidFill>
+            <a:schemeClr val="accent1">
+              <a:lumMod val="20000"/>
+              <a:lumOff val="80000"/>
+            </a:schemeClr>
+          </a:solidFill>
+        </p:spPr>
+        <p:style>
+          <a:lnRef idx="2">
+            <a:schemeClr val="accent1">
+              <a:shade val="50000"/>
+            </a:schemeClr>
+          </a:lnRef>
+          <a:fillRef idx="1">
+            <a:schemeClr val="accent1"/>
+          </a:fillRef>
+          <a:effectRef idx="0">
+            <a:schemeClr val="accent1"/>
+          </a:effectRef>
+          <a:fontRef idx="minor">
+            <a:schemeClr val="lt1"/>
+          </a:fontRef>
+        </p:style>
+        <p:txBody>
+          <a:bodyPr rtlCol="0" anchor="ctr"/>
+          <a:lstStyle/>
+          <a:p>
+            <a:pPr algn="ctr"/>
+            <a:r>
+              <a:rPr lang="en-US" altLang="ko-KR" sz="4000" b="1">
+                <a:solidFill>
+                  <a:schemeClr val="tx1"/>
+                </a:solidFill>
+              </a:rPr>
+              <a:t>Output</a:t>
+            </a:r>
+            <a:endParaRPr lang="ko-KR" altLang="en-US" sz="4000" b="1">
+              <a:solidFill>
+                <a:schemeClr val="tx1"/>
+              </a:solidFill>
+            </a:endParaRPr>
+          </a:p>
+        </p:txBody>
+      </p:sp>
+      <p:sp>
+        <p:nvSpPr>
+          <p:cNvPr id="5" name="사각형: 둥근 모서리 4">
+            <a:extLst>
+              <a:ext uri="{FF2B5EF4-FFF2-40B4-BE49-F238E27FC236}">
+                <a16:creationId xmlns:a16="http://schemas.microsoft.com/office/drawing/2014/main" id="{8A1AA79C-8925-4412-8308-ADE75DA4C601}"/>
+              </a:ext>
+            </a:extLst>
+          </p:cNvPr>
+          <p:cNvSpPr/>
+          <p:nvPr/>
+        </p:nvSpPr>
+        <p:spPr>
+          <a:xfrm>
+            <a:off x="6016625" y="2876550"/>
+            <a:ext cx="11296650" cy="3143250"/>
+          </a:xfrm>
+          <a:prstGeom prst="roundRect">
+            <a:avLst/>
+          </a:prstGeom>
+          <a:noFill/>
+        </p:spPr>
+        <p:style>
+          <a:lnRef idx="2">
+            <a:schemeClr val="accent1">
+              <a:shade val="50000"/>
+            </a:schemeClr>
+          </a:lnRef>
+          <a:fillRef idx="1">
+            <a:schemeClr val="accent1"/>
+          </a:fillRef>
+          <a:effectRef idx="0">
+            <a:schemeClr val="accent1"/>
+          </a:effectRef>
+          <a:fontRef idx="minor">
+            <a:schemeClr val="lt1"/>
+          </a:fontRef>
+        </p:style>
+        <p:txBody>
+          <a:bodyPr rtlCol="0" anchor="ctr"/>
+          <a:lstStyle/>
+          <a:p>
+            <a:pPr algn="ctr"/>
+            <a:endParaRPr lang="ko-KR" altLang="en-US"/>
+          </a:p>
+        </p:txBody>
+      </p:sp>
+      <p:sp>
+        <p:nvSpPr>
+          <p:cNvPr id="6" name="TextBox 5">
+            <a:extLst>
+              <a:ext uri="{FF2B5EF4-FFF2-40B4-BE49-F238E27FC236}">
+                <a16:creationId xmlns:a16="http://schemas.microsoft.com/office/drawing/2014/main" id="{0CD124D8-E245-49D8-B517-61E105ACBB9E}"/>
+              </a:ext>
+            </a:extLst>
+          </p:cNvPr>
+          <p:cNvSpPr txBox="1"/>
+          <p:nvPr/>
+        </p:nvSpPr>
+        <p:spPr>
+          <a:xfrm>
+            <a:off x="10278269" y="1964274"/>
+            <a:ext cx="3171031" cy="861774"/>
+          </a:xfrm>
+          <a:prstGeom prst="rect">
+            <a:avLst/>
+          </a:prstGeom>
+          <a:noFill/>
+        </p:spPr>
+        <p:txBody>
+          <a:bodyPr wrap="square" rtlCol="0">
+            <a:spAutoFit/>
+          </a:bodyPr>
+          <a:lstStyle/>
+          <a:p>
+            <a:r>
+              <a:rPr lang="en-US" altLang="ko-KR" sz="5000" b="1"/>
+              <a:t>pipeline1</a:t>
+            </a:r>
+            <a:endParaRPr lang="ko-KR" altLang="en-US" sz="5000" b="1"/>
+          </a:p>
+        </p:txBody>
+      </p:sp>
+      <p:sp>
+        <p:nvSpPr>
+          <p:cNvPr id="7" name="화살표: 오른쪽 6">
+            <a:extLst>
+              <a:ext uri="{FF2B5EF4-FFF2-40B4-BE49-F238E27FC236}">
+                <a16:creationId xmlns:a16="http://schemas.microsoft.com/office/drawing/2014/main" id="{4CCA633C-0BAF-45EC-BE07-63D12733C669}"/>
+              </a:ext>
+            </a:extLst>
+          </p:cNvPr>
+          <p:cNvSpPr/>
+          <p:nvPr/>
+        </p:nvSpPr>
+        <p:spPr>
+          <a:xfrm>
+            <a:off x="4861719" y="4091781"/>
+            <a:ext cx="1990725" cy="941387"/>
+          </a:xfrm>
+          <a:prstGeom prst="rightArrow">
+            <a:avLst/>
+          </a:prstGeom>
+        </p:spPr>
+        <p:style>
+          <a:lnRef idx="2">
+            <a:schemeClr val="accent1">
+              <a:shade val="50000"/>
+            </a:schemeClr>
+          </a:lnRef>
+          <a:fillRef idx="1">
+            <a:schemeClr val="accent1"/>
+          </a:fillRef>
+          <a:effectRef idx="0">
+            <a:schemeClr val="accent1"/>
+          </a:effectRef>
+          <a:fontRef idx="minor">
+            <a:schemeClr val="lt1"/>
+          </a:fontRef>
+        </p:style>
+        <p:txBody>
+          <a:bodyPr rtlCol="0" anchor="ctr"/>
+          <a:lstStyle/>
+          <a:p>
+            <a:pPr algn="ctr"/>
+            <a:endParaRPr lang="ko-KR" altLang="en-US"/>
+          </a:p>
+        </p:txBody>
+      </p:sp>
+      <p:sp>
+        <p:nvSpPr>
+          <p:cNvPr id="8" name="화살표: 오른쪽 7">
+            <a:extLst>
+              <a:ext uri="{FF2B5EF4-FFF2-40B4-BE49-F238E27FC236}">
+                <a16:creationId xmlns:a16="http://schemas.microsoft.com/office/drawing/2014/main" id="{EDE48BBE-761C-448C-BA6D-3D800130FBCA}"/>
+              </a:ext>
+            </a:extLst>
+          </p:cNvPr>
+          <p:cNvSpPr/>
+          <p:nvPr/>
+        </p:nvSpPr>
+        <p:spPr>
+          <a:xfrm>
+            <a:off x="16339344" y="4091781"/>
+            <a:ext cx="1990725" cy="941387"/>
+          </a:xfrm>
+          <a:prstGeom prst="rightArrow">
+            <a:avLst/>
+          </a:prstGeom>
+        </p:spPr>
+        <p:style>
+          <a:lnRef idx="2">
+            <a:schemeClr val="accent1">
+              <a:shade val="50000"/>
+            </a:schemeClr>
+          </a:lnRef>
+          <a:fillRef idx="1">
+            <a:schemeClr val="accent1"/>
+          </a:fillRef>
+          <a:effectRef idx="0">
+            <a:schemeClr val="accent1"/>
+          </a:effectRef>
+          <a:fontRef idx="minor">
+            <a:schemeClr val="lt1"/>
+          </a:fontRef>
+        </p:style>
+        <p:txBody>
+          <a:bodyPr rtlCol="0" anchor="ctr"/>
+          <a:lstStyle/>
+          <a:p>
+            <a:pPr algn="ctr"/>
+            <a:endParaRPr lang="ko-KR" altLang="en-US"/>
+          </a:p>
+        </p:txBody>
+      </p:sp>
+      <p:sp>
+        <p:nvSpPr>
+          <p:cNvPr id="9" name="TextBox 8">
+            <a:extLst>
+              <a:ext uri="{FF2B5EF4-FFF2-40B4-BE49-F238E27FC236}">
+                <a16:creationId xmlns:a16="http://schemas.microsoft.com/office/drawing/2014/main" id="{4481FCD0-FC10-4533-8DF0-25E2E372E07A}"/>
+              </a:ext>
+            </a:extLst>
+          </p:cNvPr>
+          <p:cNvSpPr txBox="1"/>
+          <p:nvPr/>
+        </p:nvSpPr>
+        <p:spPr>
+          <a:xfrm>
+            <a:off x="2699544" y="3877727"/>
+            <a:ext cx="1914525" cy="1323439"/>
+          </a:xfrm>
+          <a:prstGeom prst="rect">
+            <a:avLst/>
+          </a:prstGeom>
+          <a:noFill/>
+        </p:spPr>
+        <p:txBody>
+          <a:bodyPr wrap="square" rtlCol="0">
+            <a:spAutoFit/>
+          </a:bodyPr>
+          <a:lstStyle/>
+          <a:p>
+            <a:r>
+              <a:rPr lang="ko-KR" altLang="en-US" sz="4000" b="1"/>
+              <a:t>데이터 </a:t>
+            </a:r>
+            <a:endParaRPr lang="en-US" altLang="ko-KR" sz="4000" b="1"/>
+          </a:p>
+          <a:p>
+            <a:r>
+              <a:rPr lang="ko-KR" altLang="en-US" sz="4000" b="1"/>
+              <a:t>수집처</a:t>
+            </a:r>
+          </a:p>
+        </p:txBody>
+      </p:sp>
+      <p:sp>
+        <p:nvSpPr>
+          <p:cNvPr id="10" name="TextBox 9">
+            <a:extLst>
+              <a:ext uri="{FF2B5EF4-FFF2-40B4-BE49-F238E27FC236}">
+                <a16:creationId xmlns:a16="http://schemas.microsoft.com/office/drawing/2014/main" id="{40C128E6-CED3-4D9A-8FDD-B9C7CFCC4B36}"/>
+              </a:ext>
+            </a:extLst>
+          </p:cNvPr>
+          <p:cNvSpPr txBox="1"/>
+          <p:nvPr/>
+        </p:nvSpPr>
+        <p:spPr>
+          <a:xfrm>
+            <a:off x="2723357" y="3900754"/>
+            <a:ext cx="1914525" cy="1323439"/>
+          </a:xfrm>
+          <a:prstGeom prst="rect">
+            <a:avLst/>
+          </a:prstGeom>
+          <a:noFill/>
+        </p:spPr>
+        <p:txBody>
+          <a:bodyPr wrap="square" rtlCol="0">
+            <a:spAutoFit/>
+          </a:bodyPr>
+          <a:lstStyle/>
+          <a:p>
+            <a:r>
+              <a:rPr lang="ko-KR" altLang="en-US" sz="4000" b="1"/>
+              <a:t>데이터 </a:t>
+            </a:r>
+            <a:endParaRPr lang="en-US" altLang="ko-KR" sz="4000" b="1"/>
+          </a:p>
+          <a:p>
+            <a:r>
+              <a:rPr lang="ko-KR" altLang="en-US" sz="4000" b="1"/>
+              <a:t>수집처</a:t>
+            </a:r>
+          </a:p>
+        </p:txBody>
+      </p:sp>
+      <p:sp>
+        <p:nvSpPr>
+          <p:cNvPr id="11" name="TextBox 10">
+            <a:extLst>
+              <a:ext uri="{FF2B5EF4-FFF2-40B4-BE49-F238E27FC236}">
+                <a16:creationId xmlns:a16="http://schemas.microsoft.com/office/drawing/2014/main" id="{3E3D445E-2B79-4630-996A-F7CC20DB484E}"/>
+              </a:ext>
+            </a:extLst>
+          </p:cNvPr>
+          <p:cNvSpPr txBox="1"/>
+          <p:nvPr/>
+        </p:nvSpPr>
+        <p:spPr>
+          <a:xfrm>
+            <a:off x="18463419" y="3853130"/>
+            <a:ext cx="1914525" cy="1323439"/>
+          </a:xfrm>
+          <a:prstGeom prst="rect">
+            <a:avLst/>
+          </a:prstGeom>
+          <a:noFill/>
+        </p:spPr>
+        <p:txBody>
+          <a:bodyPr wrap="square" rtlCol="0">
+            <a:spAutoFit/>
+          </a:bodyPr>
+          <a:lstStyle/>
+          <a:p>
+            <a:r>
+              <a:rPr lang="ko-KR" altLang="en-US" sz="4000" b="1"/>
+              <a:t>데이터 </a:t>
+            </a:r>
+            <a:endParaRPr lang="en-US" altLang="ko-KR" sz="4000" b="1"/>
+          </a:p>
+          <a:p>
+            <a:r>
+              <a:rPr lang="ko-KR" altLang="en-US" sz="4000" b="1"/>
+              <a:t>저장처</a:t>
+            </a:r>
+          </a:p>
+        </p:txBody>
+      </p:sp>
+      <p:sp>
+        <p:nvSpPr>
+          <p:cNvPr id="12" name="직사각형 11">
+            <a:extLst>
+              <a:ext uri="{FF2B5EF4-FFF2-40B4-BE49-F238E27FC236}">
+                <a16:creationId xmlns:a16="http://schemas.microsoft.com/office/drawing/2014/main" id="{65298339-83D8-471D-A0F7-825F73D41328}"/>
+              </a:ext>
+            </a:extLst>
+          </p:cNvPr>
+          <p:cNvSpPr/>
+          <p:nvPr/>
+        </p:nvSpPr>
+        <p:spPr>
+          <a:xfrm>
+            <a:off x="6849269" y="8397875"/>
+            <a:ext cx="2628900" cy="2038350"/>
+          </a:xfrm>
+          <a:prstGeom prst="rect">
+            <a:avLst/>
+          </a:prstGeom>
+          <a:solidFill>
+            <a:schemeClr val="accent1">
+              <a:lumMod val="20000"/>
+              <a:lumOff val="80000"/>
+            </a:schemeClr>
+          </a:solidFill>
+        </p:spPr>
+        <p:style>
+          <a:lnRef idx="2">
+            <a:schemeClr val="accent1">
+              <a:shade val="50000"/>
+            </a:schemeClr>
+          </a:lnRef>
+          <a:fillRef idx="1">
+            <a:schemeClr val="accent1"/>
+          </a:fillRef>
+          <a:effectRef idx="0">
+            <a:schemeClr val="accent1"/>
+          </a:effectRef>
+          <a:fontRef idx="minor">
+            <a:schemeClr val="lt1"/>
+          </a:fontRef>
+        </p:style>
+        <p:txBody>
+          <a:bodyPr rtlCol="0" anchor="ctr"/>
+          <a:lstStyle/>
+          <a:p>
+            <a:pPr algn="ctr"/>
+            <a:r>
+              <a:rPr lang="en-US" altLang="ko-KR" sz="4000" b="1">
+                <a:solidFill>
+                  <a:schemeClr val="tx1"/>
+                </a:solidFill>
+              </a:rPr>
+              <a:t>Input</a:t>
+            </a:r>
+            <a:endParaRPr lang="ko-KR" altLang="en-US" sz="4000" b="1">
+              <a:solidFill>
+                <a:schemeClr val="tx1"/>
+              </a:solidFill>
+            </a:endParaRPr>
+          </a:p>
+        </p:txBody>
+      </p:sp>
+      <p:sp>
+        <p:nvSpPr>
+          <p:cNvPr id="13" name="직사각형 12">
+            <a:extLst>
+              <a:ext uri="{FF2B5EF4-FFF2-40B4-BE49-F238E27FC236}">
+                <a16:creationId xmlns:a16="http://schemas.microsoft.com/office/drawing/2014/main" id="{93D9D3C9-28B3-4ECA-9BC6-65B895149A7C}"/>
+              </a:ext>
+            </a:extLst>
+          </p:cNvPr>
+          <p:cNvSpPr/>
+          <p:nvPr/>
+        </p:nvSpPr>
+        <p:spPr>
+          <a:xfrm>
+            <a:off x="10278269" y="8397875"/>
+            <a:ext cx="2628900" cy="2038350"/>
+          </a:xfrm>
+          <a:prstGeom prst="rect">
+            <a:avLst/>
+          </a:prstGeom>
+          <a:solidFill>
+            <a:schemeClr val="accent1">
+              <a:lumMod val="20000"/>
+              <a:lumOff val="80000"/>
+            </a:schemeClr>
+          </a:solidFill>
+        </p:spPr>
+        <p:style>
+          <a:lnRef idx="2">
+            <a:schemeClr val="accent1">
+              <a:shade val="50000"/>
+            </a:schemeClr>
+          </a:lnRef>
+          <a:fillRef idx="1">
+            <a:schemeClr val="accent1"/>
+          </a:fillRef>
+          <a:effectRef idx="0">
+            <a:schemeClr val="accent1"/>
+          </a:effectRef>
+          <a:fontRef idx="minor">
+            <a:schemeClr val="lt1"/>
+          </a:fontRef>
+        </p:style>
+        <p:txBody>
+          <a:bodyPr rtlCol="0" anchor="ctr"/>
+          <a:lstStyle/>
+          <a:p>
+            <a:pPr algn="ctr"/>
+            <a:r>
+              <a:rPr lang="en-US" altLang="ko-KR" sz="4000" b="1">
+                <a:solidFill>
+                  <a:schemeClr val="tx1"/>
+                </a:solidFill>
+              </a:rPr>
+              <a:t>Filter</a:t>
+            </a:r>
+            <a:endParaRPr lang="ko-KR" altLang="en-US" sz="4000" b="1">
+              <a:solidFill>
+                <a:schemeClr val="tx1"/>
+              </a:solidFill>
+            </a:endParaRPr>
+          </a:p>
+        </p:txBody>
+      </p:sp>
+      <p:sp>
+        <p:nvSpPr>
+          <p:cNvPr id="14" name="직사각형 13">
+            <a:extLst>
+              <a:ext uri="{FF2B5EF4-FFF2-40B4-BE49-F238E27FC236}">
+                <a16:creationId xmlns:a16="http://schemas.microsoft.com/office/drawing/2014/main" id="{549E2E16-797E-4A37-84BA-27ADD099A311}"/>
+              </a:ext>
+            </a:extLst>
+          </p:cNvPr>
+          <p:cNvSpPr/>
+          <p:nvPr/>
+        </p:nvSpPr>
+        <p:spPr>
+          <a:xfrm>
+            <a:off x="13707269" y="8397875"/>
+            <a:ext cx="2628900" cy="2038350"/>
+          </a:xfrm>
+          <a:prstGeom prst="rect">
+            <a:avLst/>
+          </a:prstGeom>
+          <a:solidFill>
+            <a:schemeClr val="accent1">
+              <a:lumMod val="20000"/>
+              <a:lumOff val="80000"/>
+            </a:schemeClr>
+          </a:solidFill>
+        </p:spPr>
+        <p:style>
+          <a:lnRef idx="2">
+            <a:schemeClr val="accent1">
+              <a:shade val="50000"/>
+            </a:schemeClr>
+          </a:lnRef>
+          <a:fillRef idx="1">
+            <a:schemeClr val="accent1"/>
+          </a:fillRef>
+          <a:effectRef idx="0">
+            <a:schemeClr val="accent1"/>
+          </a:effectRef>
+          <a:fontRef idx="minor">
+            <a:schemeClr val="lt1"/>
+          </a:fontRef>
+        </p:style>
+        <p:txBody>
+          <a:bodyPr rtlCol="0" anchor="ctr"/>
+          <a:lstStyle/>
+          <a:p>
+            <a:pPr algn="ctr"/>
+            <a:r>
+              <a:rPr lang="en-US" altLang="ko-KR" sz="4000" b="1">
+                <a:solidFill>
+                  <a:schemeClr val="tx1"/>
+                </a:solidFill>
+              </a:rPr>
+              <a:t>Output</a:t>
+            </a:r>
+            <a:endParaRPr lang="ko-KR" altLang="en-US" sz="4000" b="1">
+              <a:solidFill>
+                <a:schemeClr val="tx1"/>
+              </a:solidFill>
+            </a:endParaRPr>
+          </a:p>
+        </p:txBody>
+      </p:sp>
+      <p:sp>
+        <p:nvSpPr>
+          <p:cNvPr id="15" name="사각형: 둥근 모서리 14">
+            <a:extLst>
+              <a:ext uri="{FF2B5EF4-FFF2-40B4-BE49-F238E27FC236}">
+                <a16:creationId xmlns:a16="http://schemas.microsoft.com/office/drawing/2014/main" id="{EC05C060-8345-444F-B745-1E2AC8D79ACE}"/>
+              </a:ext>
+            </a:extLst>
+          </p:cNvPr>
+          <p:cNvSpPr/>
+          <p:nvPr/>
+        </p:nvSpPr>
+        <p:spPr>
+          <a:xfrm>
+            <a:off x="6011069" y="7816850"/>
+            <a:ext cx="11296650" cy="3143250"/>
+          </a:xfrm>
+          <a:prstGeom prst="roundRect">
+            <a:avLst/>
+          </a:prstGeom>
+          <a:noFill/>
+        </p:spPr>
+        <p:style>
+          <a:lnRef idx="2">
+            <a:schemeClr val="accent1">
+              <a:shade val="50000"/>
+            </a:schemeClr>
+          </a:lnRef>
+          <a:fillRef idx="1">
+            <a:schemeClr val="accent1"/>
+          </a:fillRef>
+          <a:effectRef idx="0">
+            <a:schemeClr val="accent1"/>
+          </a:effectRef>
+          <a:fontRef idx="minor">
+            <a:schemeClr val="lt1"/>
+          </a:fontRef>
+        </p:style>
+        <p:txBody>
+          <a:bodyPr rtlCol="0" anchor="ctr"/>
+          <a:lstStyle/>
+          <a:p>
+            <a:pPr algn="ctr"/>
+            <a:endParaRPr lang="ko-KR" altLang="en-US"/>
+          </a:p>
+        </p:txBody>
+      </p:sp>
+      <p:sp>
+        <p:nvSpPr>
+          <p:cNvPr id="16" name="화살표: 오른쪽 15">
+            <a:extLst>
+              <a:ext uri="{FF2B5EF4-FFF2-40B4-BE49-F238E27FC236}">
+                <a16:creationId xmlns:a16="http://schemas.microsoft.com/office/drawing/2014/main" id="{7AFE4292-4A1D-4F05-BE5E-A6766CFE14DE}"/>
+              </a:ext>
+            </a:extLst>
+          </p:cNvPr>
+          <p:cNvSpPr/>
+          <p:nvPr/>
+        </p:nvSpPr>
+        <p:spPr>
+          <a:xfrm>
+            <a:off x="4856163" y="9032081"/>
+            <a:ext cx="1990725" cy="941387"/>
+          </a:xfrm>
+          <a:prstGeom prst="rightArrow">
+            <a:avLst/>
+          </a:prstGeom>
+        </p:spPr>
+        <p:style>
+          <a:lnRef idx="2">
+            <a:schemeClr val="accent1">
+              <a:shade val="50000"/>
+            </a:schemeClr>
+          </a:lnRef>
+          <a:fillRef idx="1">
+            <a:schemeClr val="accent1"/>
+          </a:fillRef>
+          <a:effectRef idx="0">
+            <a:schemeClr val="accent1"/>
+          </a:effectRef>
+          <a:fontRef idx="minor">
+            <a:schemeClr val="lt1"/>
+          </a:fontRef>
+        </p:style>
+        <p:txBody>
+          <a:bodyPr rtlCol="0" anchor="ctr"/>
+          <a:lstStyle/>
+          <a:p>
+            <a:pPr algn="ctr"/>
+            <a:endParaRPr lang="ko-KR" altLang="en-US"/>
+          </a:p>
+        </p:txBody>
+      </p:sp>
+      <p:sp>
+        <p:nvSpPr>
+          <p:cNvPr id="17" name="화살표: 오른쪽 16">
+            <a:extLst>
+              <a:ext uri="{FF2B5EF4-FFF2-40B4-BE49-F238E27FC236}">
+                <a16:creationId xmlns:a16="http://schemas.microsoft.com/office/drawing/2014/main" id="{5CBA797A-A132-44EB-A874-F1443B071108}"/>
+              </a:ext>
+            </a:extLst>
+          </p:cNvPr>
+          <p:cNvSpPr/>
+          <p:nvPr/>
+        </p:nvSpPr>
+        <p:spPr>
+          <a:xfrm>
+            <a:off x="16333788" y="9032081"/>
+            <a:ext cx="1990725" cy="941387"/>
+          </a:xfrm>
+          <a:prstGeom prst="rightArrow">
+            <a:avLst/>
+          </a:prstGeom>
+        </p:spPr>
+        <p:style>
+          <a:lnRef idx="2">
+            <a:schemeClr val="accent1">
+              <a:shade val="50000"/>
+            </a:schemeClr>
+          </a:lnRef>
+          <a:fillRef idx="1">
+            <a:schemeClr val="accent1"/>
+          </a:fillRef>
+          <a:effectRef idx="0">
+            <a:schemeClr val="accent1"/>
+          </a:effectRef>
+          <a:fontRef idx="minor">
+            <a:schemeClr val="lt1"/>
+          </a:fontRef>
+        </p:style>
+        <p:txBody>
+          <a:bodyPr rtlCol="0" anchor="ctr"/>
+          <a:lstStyle/>
+          <a:p>
+            <a:pPr algn="ctr"/>
+            <a:endParaRPr lang="ko-KR" altLang="en-US"/>
+          </a:p>
+        </p:txBody>
+      </p:sp>
+      <p:sp>
+        <p:nvSpPr>
+          <p:cNvPr id="18" name="TextBox 17">
+            <a:extLst>
+              <a:ext uri="{FF2B5EF4-FFF2-40B4-BE49-F238E27FC236}">
+                <a16:creationId xmlns:a16="http://schemas.microsoft.com/office/drawing/2014/main" id="{DE493DB2-2C62-4179-A5C7-7BA8DB5308D9}"/>
+              </a:ext>
+            </a:extLst>
+          </p:cNvPr>
+          <p:cNvSpPr txBox="1"/>
+          <p:nvPr/>
+        </p:nvSpPr>
+        <p:spPr>
+          <a:xfrm>
+            <a:off x="2693988" y="8818027"/>
+            <a:ext cx="1914525" cy="1323439"/>
+          </a:xfrm>
+          <a:prstGeom prst="rect">
+            <a:avLst/>
+          </a:prstGeom>
+          <a:noFill/>
+        </p:spPr>
+        <p:txBody>
+          <a:bodyPr wrap="square" rtlCol="0">
+            <a:spAutoFit/>
+          </a:bodyPr>
+          <a:lstStyle/>
+          <a:p>
+            <a:r>
+              <a:rPr lang="ko-KR" altLang="en-US" sz="4000" b="1"/>
+              <a:t>데이터 </a:t>
+            </a:r>
+            <a:endParaRPr lang="en-US" altLang="ko-KR" sz="4000" b="1"/>
+          </a:p>
+          <a:p>
+            <a:r>
+              <a:rPr lang="ko-KR" altLang="en-US" sz="4000" b="1"/>
+              <a:t>수집처</a:t>
+            </a:r>
+          </a:p>
+        </p:txBody>
+      </p:sp>
+      <p:sp>
+        <p:nvSpPr>
+          <p:cNvPr id="19" name="TextBox 18">
+            <a:extLst>
+              <a:ext uri="{FF2B5EF4-FFF2-40B4-BE49-F238E27FC236}">
+                <a16:creationId xmlns:a16="http://schemas.microsoft.com/office/drawing/2014/main" id="{E7A6B564-57CE-4B10-A906-EBB4D2304DF8}"/>
+              </a:ext>
+            </a:extLst>
+          </p:cNvPr>
+          <p:cNvSpPr txBox="1"/>
+          <p:nvPr/>
+        </p:nvSpPr>
+        <p:spPr>
+          <a:xfrm>
+            <a:off x="2717801" y="8841054"/>
+            <a:ext cx="1914525" cy="1323439"/>
+          </a:xfrm>
+          <a:prstGeom prst="rect">
+            <a:avLst/>
+          </a:prstGeom>
+          <a:noFill/>
+        </p:spPr>
+        <p:txBody>
+          <a:bodyPr wrap="square" rtlCol="0">
+            <a:spAutoFit/>
+          </a:bodyPr>
+          <a:lstStyle/>
+          <a:p>
+            <a:r>
+              <a:rPr lang="ko-KR" altLang="en-US" sz="4000" b="1"/>
+              <a:t>데이터 </a:t>
+            </a:r>
+            <a:endParaRPr lang="en-US" altLang="ko-KR" sz="4000" b="1"/>
+          </a:p>
+          <a:p>
+            <a:r>
+              <a:rPr lang="ko-KR" altLang="en-US" sz="4000" b="1"/>
+              <a:t>수집처</a:t>
+            </a:r>
+          </a:p>
+        </p:txBody>
+      </p:sp>
+      <p:sp>
+        <p:nvSpPr>
+          <p:cNvPr id="20" name="TextBox 19">
+            <a:extLst>
+              <a:ext uri="{FF2B5EF4-FFF2-40B4-BE49-F238E27FC236}">
+                <a16:creationId xmlns:a16="http://schemas.microsoft.com/office/drawing/2014/main" id="{ABEAD3AC-8135-4234-98E1-7B8E57A6713C}"/>
+              </a:ext>
+            </a:extLst>
+          </p:cNvPr>
+          <p:cNvSpPr txBox="1"/>
+          <p:nvPr/>
+        </p:nvSpPr>
+        <p:spPr>
+          <a:xfrm>
+            <a:off x="18457863" y="8793430"/>
+            <a:ext cx="1914525" cy="1323439"/>
+          </a:xfrm>
+          <a:prstGeom prst="rect">
+            <a:avLst/>
+          </a:prstGeom>
+          <a:noFill/>
+        </p:spPr>
+        <p:txBody>
+          <a:bodyPr wrap="square" rtlCol="0">
+            <a:spAutoFit/>
+          </a:bodyPr>
+          <a:lstStyle/>
+          <a:p>
+            <a:r>
+              <a:rPr lang="ko-KR" altLang="en-US" sz="4000" b="1"/>
+              <a:t>데이터 </a:t>
+            </a:r>
+            <a:endParaRPr lang="en-US" altLang="ko-KR" sz="4000" b="1"/>
+          </a:p>
+          <a:p>
+            <a:r>
+              <a:rPr lang="ko-KR" altLang="en-US" sz="4000" b="1"/>
+              <a:t>저장처</a:t>
+            </a:r>
+          </a:p>
+        </p:txBody>
+      </p:sp>
+      <p:sp>
+        <p:nvSpPr>
+          <p:cNvPr id="21" name="TextBox 20">
+            <a:extLst>
+              <a:ext uri="{FF2B5EF4-FFF2-40B4-BE49-F238E27FC236}">
+                <a16:creationId xmlns:a16="http://schemas.microsoft.com/office/drawing/2014/main" id="{66A351B5-E162-4D01-96A3-6E21692A82E2}"/>
+              </a:ext>
+            </a:extLst>
+          </p:cNvPr>
+          <p:cNvSpPr txBox="1"/>
+          <p:nvPr/>
+        </p:nvSpPr>
+        <p:spPr>
+          <a:xfrm>
+            <a:off x="10278269" y="6982579"/>
+            <a:ext cx="6534149" cy="861774"/>
+          </a:xfrm>
+          <a:prstGeom prst="rect">
+            <a:avLst/>
+          </a:prstGeom>
+          <a:noFill/>
+        </p:spPr>
+        <p:txBody>
+          <a:bodyPr wrap="square" rtlCol="0">
+            <a:spAutoFit/>
+          </a:bodyPr>
+          <a:lstStyle/>
+          <a:p>
+            <a:r>
+              <a:rPr lang="en-US" altLang="ko-KR" sz="5000" b="1"/>
+              <a:t>pipeline2</a:t>
+            </a:r>
+            <a:endParaRPr lang="ko-KR" altLang="en-US" sz="5000" b="1"/>
+          </a:p>
+        </p:txBody>
+      </p:sp>
+      <p:sp>
+        <p:nvSpPr>
+          <p:cNvPr id="22" name="사각형: 둥근 모서리 21">
+            <a:extLst>
+              <a:ext uri="{FF2B5EF4-FFF2-40B4-BE49-F238E27FC236}">
+                <a16:creationId xmlns:a16="http://schemas.microsoft.com/office/drawing/2014/main" id="{C6ABEBC7-3A19-46CB-BCB1-35B83A0528CB}"/>
+              </a:ext>
+            </a:extLst>
+          </p:cNvPr>
+          <p:cNvSpPr/>
+          <p:nvPr/>
+        </p:nvSpPr>
+        <p:spPr>
+          <a:xfrm>
+            <a:off x="5295900" y="1428750"/>
+            <a:ext cx="12439650" cy="12249150"/>
+          </a:xfrm>
+          <a:prstGeom prst="roundRect">
+            <a:avLst/>
+          </a:prstGeom>
+          <a:noFill/>
+        </p:spPr>
+        <p:style>
+          <a:lnRef idx="2">
+            <a:schemeClr val="accent1">
+              <a:shade val="50000"/>
+            </a:schemeClr>
+          </a:lnRef>
+          <a:fillRef idx="1">
+            <a:schemeClr val="accent1"/>
+          </a:fillRef>
+          <a:effectRef idx="0">
+            <a:schemeClr val="accent1"/>
+          </a:effectRef>
+          <a:fontRef idx="minor">
+            <a:schemeClr val="lt1"/>
+          </a:fontRef>
+        </p:style>
+        <p:txBody>
+          <a:bodyPr rtlCol="0" anchor="ctr"/>
+          <a:lstStyle/>
+          <a:p>
+            <a:pPr algn="ctr"/>
+            <a:endParaRPr lang="ko-KR" altLang="en-US"/>
+          </a:p>
+        </p:txBody>
+      </p:sp>
+      <p:sp>
+        <p:nvSpPr>
+          <p:cNvPr id="23" name="TextBox 22">
+            <a:extLst>
+              <a:ext uri="{FF2B5EF4-FFF2-40B4-BE49-F238E27FC236}">
+                <a16:creationId xmlns:a16="http://schemas.microsoft.com/office/drawing/2014/main" id="{D0F41E8E-B2A0-4DF3-A9AF-6B97BADDA824}"/>
+              </a:ext>
+            </a:extLst>
+          </p:cNvPr>
+          <p:cNvSpPr txBox="1"/>
+          <p:nvPr/>
+        </p:nvSpPr>
+        <p:spPr>
+          <a:xfrm>
+            <a:off x="10335419" y="442398"/>
+            <a:ext cx="3171031" cy="861774"/>
+          </a:xfrm>
+          <a:prstGeom prst="rect">
+            <a:avLst/>
+          </a:prstGeom>
+          <a:noFill/>
+        </p:spPr>
+        <p:txBody>
+          <a:bodyPr wrap="square" rtlCol="0">
+            <a:spAutoFit/>
+          </a:bodyPr>
+          <a:lstStyle/>
+          <a:p>
+            <a:r>
+              <a:rPr lang="en-US" altLang="ko-KR" sz="5000" b="1"/>
+              <a:t>logstash</a:t>
+            </a:r>
+            <a:endParaRPr lang="ko-KR" altLang="en-US" sz="5000" b="1"/>
+          </a:p>
+        </p:txBody>
+      </p:sp>
+      <p:sp>
+        <p:nvSpPr>
+          <p:cNvPr id="24" name="타원 23">
+            <a:extLst>
+              <a:ext uri="{FF2B5EF4-FFF2-40B4-BE49-F238E27FC236}">
+                <a16:creationId xmlns:a16="http://schemas.microsoft.com/office/drawing/2014/main" id="{464EFE99-92DE-413F-9EC3-95DFEA5FF17F}"/>
+              </a:ext>
+            </a:extLst>
+          </p:cNvPr>
+          <p:cNvSpPr/>
+          <p:nvPr/>
+        </p:nvSpPr>
+        <p:spPr>
+          <a:xfrm>
+            <a:off x="11296650" y="11334750"/>
+            <a:ext cx="381000" cy="459621"/>
+          </a:xfrm>
+          <a:prstGeom prst="ellipse">
+            <a:avLst/>
+          </a:prstGeom>
+        </p:spPr>
+        <p:style>
+          <a:lnRef idx="2">
+            <a:schemeClr val="accent1">
+              <a:shade val="50000"/>
+            </a:schemeClr>
+          </a:lnRef>
+          <a:fillRef idx="1">
+            <a:schemeClr val="accent1"/>
+          </a:fillRef>
+          <a:effectRef idx="0">
+            <a:schemeClr val="accent1"/>
+          </a:effectRef>
+          <a:fontRef idx="minor">
+            <a:schemeClr val="lt1"/>
+          </a:fontRef>
+        </p:style>
+        <p:txBody>
+          <a:bodyPr rtlCol="0" anchor="ctr"/>
+          <a:lstStyle/>
+          <a:p>
+            <a:pPr algn="ctr"/>
+            <a:endParaRPr lang="ko-KR" altLang="en-US"/>
+          </a:p>
+        </p:txBody>
+      </p:sp>
+      <p:sp>
+        <p:nvSpPr>
+          <p:cNvPr id="25" name="타원 24">
+            <a:extLst>
+              <a:ext uri="{FF2B5EF4-FFF2-40B4-BE49-F238E27FC236}">
+                <a16:creationId xmlns:a16="http://schemas.microsoft.com/office/drawing/2014/main" id="{74A60CAC-4AA3-4294-9E77-CED969658231}"/>
+              </a:ext>
+            </a:extLst>
+          </p:cNvPr>
+          <p:cNvSpPr/>
+          <p:nvPr/>
+        </p:nvSpPr>
+        <p:spPr>
+          <a:xfrm>
+            <a:off x="11296650" y="12169021"/>
+            <a:ext cx="381000" cy="459621"/>
+          </a:xfrm>
+          <a:prstGeom prst="ellipse">
+            <a:avLst/>
+          </a:prstGeom>
+        </p:spPr>
+        <p:style>
+          <a:lnRef idx="2">
+            <a:schemeClr val="accent1">
+              <a:shade val="50000"/>
+            </a:schemeClr>
+          </a:lnRef>
+          <a:fillRef idx="1">
+            <a:schemeClr val="accent1"/>
+          </a:fillRef>
+          <a:effectRef idx="0">
+            <a:schemeClr val="accent1"/>
+          </a:effectRef>
+          <a:fontRef idx="minor">
+            <a:schemeClr val="lt1"/>
+          </a:fontRef>
+        </p:style>
+        <p:txBody>
+          <a:bodyPr rtlCol="0" anchor="ctr"/>
+          <a:lstStyle/>
+          <a:p>
+            <a:pPr algn="ctr"/>
+            <a:endParaRPr lang="ko-KR" altLang="en-US"/>
+          </a:p>
+        </p:txBody>
+      </p:sp>
+      <p:sp>
+        <p:nvSpPr>
+          <p:cNvPr id="26" name="타원 25">
+            <a:extLst>
+              <a:ext uri="{FF2B5EF4-FFF2-40B4-BE49-F238E27FC236}">
+                <a16:creationId xmlns:a16="http://schemas.microsoft.com/office/drawing/2014/main" id="{1BFD88E6-3534-4A65-B2AD-02D3DC2C5D03}"/>
+              </a:ext>
+            </a:extLst>
+          </p:cNvPr>
+          <p:cNvSpPr/>
+          <p:nvPr/>
+        </p:nvSpPr>
+        <p:spPr>
+          <a:xfrm>
+            <a:off x="11296650" y="12988925"/>
+            <a:ext cx="381000" cy="459621"/>
+          </a:xfrm>
+          <a:prstGeom prst="ellipse">
+            <a:avLst/>
+          </a:prstGeom>
+        </p:spPr>
+        <p:style>
+          <a:lnRef idx="2">
+            <a:schemeClr val="accent1">
+              <a:shade val="50000"/>
+            </a:schemeClr>
+          </a:lnRef>
+          <a:fillRef idx="1">
+            <a:schemeClr val="accent1"/>
+          </a:fillRef>
+          <a:effectRef idx="0">
+            <a:schemeClr val="accent1"/>
+          </a:effectRef>
+          <a:fontRef idx="minor">
+            <a:schemeClr val="lt1"/>
+          </a:fontRef>
+        </p:style>
+        <p:txBody>
+          <a:bodyPr rtlCol="0" anchor="ctr"/>
+          <a:lstStyle/>
+          <a:p>
+            <a:pPr algn="ctr"/>
+            <a:endParaRPr lang="ko-KR" altLang="en-US"/>
+          </a:p>
+        </p:txBody>
+      </p:sp>
     </p:spTree>
     <p:extLst>
       <p:ext uri="{BB962C8B-B14F-4D97-AF65-F5344CB8AC3E}">
